--- a/Implement and Design Websites/Implement and Design WebSites.pptx
+++ b/Implement and Design Websites/Implement and Design WebSites.pptx
@@ -3899,7 +3899,7 @@
           <a:p>
             <a:fld id="{32AF8DFE-3F9E-4E76-8DEB-FC1A7CECE63A}" type="datetimeFigureOut">
               <a:rPr lang="en-US" smtClean="0"/>
-              <a:t>9/18/2016</a:t>
+              <a:t>9/25/2016</a:t>
             </a:fld>
             <a:endParaRPr lang="en-US"/>
           </a:p>
@@ -5436,7 +5436,7 @@
           <a:p>
             <a:fld id="{51B45C6E-FCE4-4C36-96D3-F66438DBAEBD}" type="datetime1">
               <a:rPr lang="en-US" smtClean="0"/>
-              <a:t>9/18/2016</a:t>
+              <a:t>9/25/2016</a:t>
             </a:fld>
             <a:endParaRPr lang="en-US"/>
           </a:p>
@@ -8479,7 +8479,7 @@
           <a:p>
             <a:fld id="{51B45C6E-FCE4-4C36-96D3-F66438DBAEBD}" type="datetime1">
               <a:rPr lang="en-US" smtClean="0"/>
-              <a:t>9/18/2016</a:t>
+              <a:t>9/25/2016</a:t>
             </a:fld>
             <a:endParaRPr lang="en-US"/>
           </a:p>
@@ -13967,7 +13967,7 @@
             <a:noFill/>
             <a:extLst>
               <a:ext uri="{909E8E84-426E-40dd-AFC4-6F175D3DCCD1}">
-                <a14:hiddenFill xmlns="" xmlns:a14="http://schemas.microsoft.com/office/drawing/2010/main">
+                <a14:hiddenFill xmlns:a14="http://schemas.microsoft.com/office/drawing/2010/main" xmlns="">
                   <a:solidFill>
                     <a:srgbClr val="FFFFFF"/>
                   </a:solidFill>
@@ -14025,7 +14025,7 @@
             <a:noFill/>
             <a:extLst>
               <a:ext uri="{909E8E84-426E-40dd-AFC4-6F175D3DCCD1}">
-                <a14:hiddenFill xmlns="" xmlns:a14="http://schemas.microsoft.com/office/drawing/2010/main">
+                <a14:hiddenFill xmlns:a14="http://schemas.microsoft.com/office/drawing/2010/main" xmlns="">
                   <a:solidFill>
                     <a:srgbClr val="FFFFFF"/>
                   </a:solidFill>
@@ -14089,7 +14089,7 @@
             <a:noFill/>
             <a:extLst>
               <a:ext uri="{909E8E84-426E-40dd-AFC4-6F175D3DCCD1}">
-                <a14:hiddenFill xmlns="" xmlns:a14="http://schemas.microsoft.com/office/drawing/2010/main">
+                <a14:hiddenFill xmlns:a14="http://schemas.microsoft.com/office/drawing/2010/main" xmlns="">
                   <a:solidFill>
                     <a:srgbClr val="FFFFFF"/>
                   </a:solidFill>
@@ -16536,7 +16536,7 @@
           <a:noFill/>
           <a:extLst>
             <a:ext uri="{909E8E84-426E-40dd-AFC4-6F175D3DCCD1}">
-              <a14:hiddenFill xmlns="" xmlns:a14="http://schemas.microsoft.com/office/drawing/2010/main">
+              <a14:hiddenFill xmlns:a14="http://schemas.microsoft.com/office/drawing/2010/main" xmlns="">
                 <a:solidFill>
                   <a:srgbClr val="FFFFFF"/>
                 </a:solidFill>
@@ -24078,39 +24078,12 @@
           <a:p>
             <a:r>
               <a:rPr lang="pt-BR" dirty="0"/>
-              <a:t>Sex </a:t>
-            </a:r>
-            <a:r>
-              <a:rPr lang="pt-BR" dirty="0" err="1"/>
-              <a:t>Machine</a:t>
-            </a:r>
-            <a:endParaRPr lang="pt-BR" dirty="0"/>
-          </a:p>
-          <a:p>
-            <a:r>
-              <a:rPr lang="pt-BR" dirty="0"/>
-              <a:t>Um cara muito foda</a:t>
-            </a:r>
-          </a:p>
-          <a:p>
-            <a:r>
-              <a:rPr lang="pt-BR" dirty="0"/>
-              <a:t>Jogador de Basquete</a:t>
-            </a:r>
-          </a:p>
-          <a:p>
-            <a:r>
-              <a:rPr lang="pt-BR" dirty="0"/>
-              <a:t>Um cara muito foda</a:t>
-            </a:r>
-          </a:p>
-          <a:p>
-            <a:r>
-              <a:rPr lang="pt-BR" dirty="0"/>
-              <a:t>Humilde e modesto</a:t>
-            </a:r>
-          </a:p>
-          <a:p>
+              <a:t>Colocar informações sobre </a:t>
+            </a:r>
+            <a:r>
+              <a:rPr lang="pt-BR"/>
+              <a:t>o instrutor aqui</a:t>
+            </a:r>
             <a:endParaRPr lang="en-US" dirty="0"/>
           </a:p>
         </p:txBody>

--- a/Implement and Design Websites/Implement and Design WebSites.pptx
+++ b/Implement and Design Websites/Implement and Design WebSites.pptx
@@ -9135,27 +9135,11 @@
             </a:r>
             <a:r>
               <a:rPr lang="pt-BR" dirty="0"/>
-              <a:t> – </a:t>
-            </a:r>
-            <a:r>
-              <a:rPr lang="pt-BR" dirty="0" err="1"/>
-              <a:t>Implement</a:t>
-            </a:r>
-            <a:r>
-              <a:rPr lang="pt-BR" dirty="0"/>
-              <a:t> </a:t>
-            </a:r>
-            <a:r>
-              <a:rPr lang="pt-BR" dirty="0" err="1"/>
-              <a:t>and</a:t>
-            </a:r>
-            <a:r>
-              <a:rPr lang="pt-BR" dirty="0"/>
-              <a:t> Design </a:t>
-            </a:r>
-            <a:r>
-              <a:rPr lang="pt-BR" dirty="0" err="1"/>
-              <a:t>WebSites</a:t>
+              <a:t> – Implementando e Projetando</a:t>
+            </a:r>
+            <a:r>
+              <a:rPr lang="pt-BR" baseline="0" dirty="0"/>
+              <a:t> Websites</a:t>
             </a:r>
             <a:endParaRPr lang="en-US" dirty="0"/>
           </a:p>
@@ -9403,27 +9387,11 @@
             </a:r>
             <a:r>
               <a:rPr lang="pt-BR" dirty="0"/>
-              <a:t> – </a:t>
-            </a:r>
-            <a:r>
-              <a:rPr lang="pt-BR" dirty="0" err="1"/>
-              <a:t>Implement</a:t>
-            </a:r>
-            <a:r>
-              <a:rPr lang="pt-BR" dirty="0"/>
-              <a:t> </a:t>
-            </a:r>
-            <a:r>
-              <a:rPr lang="pt-BR" dirty="0" err="1"/>
-              <a:t>and</a:t>
-            </a:r>
-            <a:r>
-              <a:rPr lang="pt-BR" dirty="0"/>
-              <a:t> Design </a:t>
-            </a:r>
-            <a:r>
-              <a:rPr lang="pt-BR" dirty="0" err="1"/>
-              <a:t>WebSites</a:t>
+              <a:t> – Implementando e Projetando</a:t>
+            </a:r>
+            <a:r>
+              <a:rPr lang="pt-BR" baseline="0" dirty="0"/>
+              <a:t> Websites</a:t>
             </a:r>
             <a:endParaRPr lang="en-US" dirty="0"/>
           </a:p>
@@ -9957,27 +9925,11 @@
             </a:r>
             <a:r>
               <a:rPr lang="pt-BR" dirty="0"/>
-              <a:t> – </a:t>
-            </a:r>
-            <a:r>
-              <a:rPr lang="pt-BR" dirty="0" err="1"/>
-              <a:t>Implement</a:t>
-            </a:r>
-            <a:r>
-              <a:rPr lang="pt-BR" dirty="0"/>
-              <a:t> </a:t>
-            </a:r>
-            <a:r>
-              <a:rPr lang="pt-BR" dirty="0" err="1"/>
-              <a:t>and</a:t>
-            </a:r>
-            <a:r>
-              <a:rPr lang="pt-BR" dirty="0"/>
-              <a:t> Design </a:t>
-            </a:r>
-            <a:r>
-              <a:rPr lang="pt-BR" dirty="0" err="1"/>
-              <a:t>WebSites</a:t>
+              <a:t> – Implementando e Projetando</a:t>
+            </a:r>
+            <a:r>
+              <a:rPr lang="pt-BR" baseline="0" dirty="0"/>
+              <a:t> Websites</a:t>
             </a:r>
             <a:endParaRPr lang="en-US" dirty="0"/>
           </a:p>
@@ -10221,107 +10173,6 @@
 
 <file path=ppt/slideLayouts/slideLayout14.xml><?xml version="1.0" encoding="utf-8"?>
 <p:sldLayout xmlns:a="http://schemas.openxmlformats.org/drawingml/2006/main" xmlns:r="http://schemas.openxmlformats.org/officeDocument/2006/relationships" xmlns:p="http://schemas.openxmlformats.org/presentationml/2006/main">
-  <p:cSld name="Statement">
-    <p:spTree>
-      <p:nvGrpSpPr>
-        <p:cNvPr id="1" name=""/>
-        <p:cNvGrpSpPr/>
-        <p:nvPr/>
-      </p:nvGrpSpPr>
-      <p:grpSpPr>
-        <a:xfrm>
-          <a:off x="0" y="0"/>
-          <a:ext cx="0" cy="0"/>
-          <a:chOff x="0" y="0"/>
-          <a:chExt cx="0" cy="0"/>
-        </a:xfrm>
-      </p:grpSpPr>
-      <p:sp>
-        <p:nvSpPr>
-          <p:cNvPr id="3" name="Statement"/>
-          <p:cNvSpPr>
-            <a:spLocks noGrp="1"/>
-          </p:cNvSpPr>
-          <p:nvPr>
-            <p:ph type="ctrTitle" hasCustomPrompt="1"/>
-          </p:nvPr>
-        </p:nvSpPr>
-        <p:spPr>
-          <a:xfrm>
-            <a:off x="769466" y="2709521"/>
-            <a:ext cx="10722224" cy="1266359"/>
-          </a:xfrm>
-          <a:prstGeom prst="rect">
-            <a:avLst/>
-          </a:prstGeom>
-        </p:spPr>
-        <p:txBody>
-          <a:bodyPr>
-            <a:noAutofit/>
-          </a:bodyPr>
-          <a:lstStyle>
-            <a:lvl1pPr algn="ctr">
-              <a:defRPr sz="8000"/>
-            </a:lvl1pPr>
-          </a:lstStyle>
-          <a:p>
-            <a:pPr algn="ctr"/>
-            <a:r>
-              <a:rPr lang="en-US" sz="7998" dirty="0"/>
-              <a:t>Statement</a:t>
-            </a:r>
-          </a:p>
-        </p:txBody>
-      </p:sp>
-      <p:pic>
-        <p:nvPicPr>
-          <p:cNvPr id="4" name="Azure Light" descr="MS-Azure_rgb_Wht.png"/>
-          <p:cNvPicPr>
-            <a:picLocks noChangeAspect="1"/>
-          </p:cNvPicPr>
-          <p:nvPr/>
-        </p:nvPicPr>
-        <p:blipFill>
-          <a:blip r:embed="rId2" cstate="print">
-            <a:extLst>
-              <a:ext uri="{28A0092B-C50C-407E-A947-70E740481C1C}">
-                <a14:useLocalDpi xmlns:a14="http://schemas.microsoft.com/office/drawing/2010/main" val="0"/>
-              </a:ext>
-            </a:extLst>
-          </a:blip>
-          <a:stretch>
-            <a:fillRect/>
-          </a:stretch>
-        </p:blipFill>
-        <p:spPr>
-          <a:xfrm>
-            <a:off x="10358686" y="147877"/>
-            <a:ext cx="1662233" cy="382281"/>
-          </a:xfrm>
-          <a:prstGeom prst="rect">
-            <a:avLst/>
-          </a:prstGeom>
-        </p:spPr>
-      </p:pic>
-    </p:spTree>
-    <p:extLst>
-      <p:ext uri="{BB962C8B-B14F-4D97-AF65-F5344CB8AC3E}">
-        <p14:creationId xmlns:p14="http://schemas.microsoft.com/office/powerpoint/2010/main" val="2383959568"/>
-      </p:ext>
-    </p:extLst>
-  </p:cSld>
-  <p:clrMapOvr>
-    <a:masterClrMapping/>
-  </p:clrMapOvr>
-  <p:transition>
-    <p:fade/>
-  </p:transition>
-  <p:hf hdr="0" ftr="0" dt="0"/>
-</p:sldLayout>
-</file>
-
-<file path=ppt/slideLayouts/slideLayout15.xml><?xml version="1.0" encoding="utf-8"?>
-<p:sldLayout xmlns:a="http://schemas.openxmlformats.org/drawingml/2006/main" xmlns:r="http://schemas.openxmlformats.org/officeDocument/2006/relationships" xmlns:p="http://schemas.openxmlformats.org/presentationml/2006/main">
   <p:cSld name="Blue Blank">
     <p:spTree>
       <p:nvGrpSpPr>
@@ -10341,681 +10192,6 @@
     <p:extLst>
       <p:ext uri="{BB962C8B-B14F-4D97-AF65-F5344CB8AC3E}">
         <p14:creationId xmlns:p14="http://schemas.microsoft.com/office/powerpoint/2010/main" val="1641419231"/>
-      </p:ext>
-    </p:extLst>
-  </p:cSld>
-  <p:clrMapOvr>
-    <a:masterClrMapping/>
-  </p:clrMapOvr>
-  <p:transition>
-    <p:fade/>
-  </p:transition>
-  <p:hf hdr="0" ftr="0" dt="0"/>
-</p:sldLayout>
-</file>
-
-<file path=ppt/slideLayouts/slideLayout16.xml><?xml version="1.0" encoding="utf-8"?>
-<p:sldLayout xmlns:a="http://schemas.openxmlformats.org/drawingml/2006/main" xmlns:r="http://schemas.openxmlformats.org/officeDocument/2006/relationships" xmlns:p="http://schemas.openxmlformats.org/presentationml/2006/main">
-  <p:cSld name="Headline and Content Alt">
-    <p:bg>
-      <p:bgRef idx="1001">
-        <a:schemeClr val="bg1"/>
-      </p:bgRef>
-    </p:bg>
-    <p:spTree>
-      <p:nvGrpSpPr>
-        <p:cNvPr id="1" name=""/>
-        <p:cNvGrpSpPr/>
-        <p:nvPr/>
-      </p:nvGrpSpPr>
-      <p:grpSpPr>
-        <a:xfrm>
-          <a:off x="0" y="0"/>
-          <a:ext cx="0" cy="0"/>
-          <a:chOff x="0" y="0"/>
-          <a:chExt cx="0" cy="0"/>
-        </a:xfrm>
-      </p:grpSpPr>
-      <p:sp>
-        <p:nvSpPr>
-          <p:cNvPr id="13" name="White Background"/>
-          <p:cNvSpPr/>
-          <p:nvPr/>
-        </p:nvSpPr>
-        <p:spPr bwMode="auto">
-          <a:xfrm>
-            <a:off x="1" y="5256715"/>
-            <a:ext cx="12192000" cy="1601285"/>
-          </a:xfrm>
-          <a:prstGeom prst="rect">
-            <a:avLst/>
-          </a:prstGeom>
-          <a:solidFill>
-            <a:schemeClr val="tx2"/>
-          </a:solidFill>
-          <a:ln>
-            <a:noFill/>
-            <a:headEnd type="none" w="med" len="med"/>
-            <a:tailEnd type="none" w="med" len="med"/>
-          </a:ln>
-          <a:effectLst/>
-        </p:spPr>
-        <p:style>
-          <a:lnRef idx="1">
-            <a:schemeClr val="accent2"/>
-          </a:lnRef>
-          <a:fillRef idx="3">
-            <a:schemeClr val="accent2"/>
-          </a:fillRef>
-          <a:effectRef idx="2">
-            <a:schemeClr val="accent2"/>
-          </a:effectRef>
-          <a:fontRef idx="minor">
-            <a:schemeClr val="lt1"/>
-          </a:fontRef>
-        </p:style>
-        <p:txBody>
-          <a:bodyPr rot="0" spcFirstLastPara="0" vertOverflow="overflow" horzOverflow="overflow" vert="horz" wrap="square" lIns="182880" tIns="146304" rIns="182880" bIns="146304" numCol="1" spcCol="0" rtlCol="0" fromWordArt="0" anchor="t" anchorCtr="0" forceAA="0" compatLnSpc="1">
-            <a:prstTxWarp prst="textNoShape">
-              <a:avLst/>
-            </a:prstTxWarp>
-            <a:noAutofit/>
-          </a:bodyPr>
-          <a:lstStyle/>
-          <a:p>
-            <a:pPr algn="ctr" defTabSz="932472" fontAlgn="base">
-              <a:lnSpc>
-                <a:spcPct val="90000"/>
-              </a:lnSpc>
-              <a:spcBef>
-                <a:spcPct val="0"/>
-              </a:spcBef>
-              <a:spcAft>
-                <a:spcPct val="0"/>
-              </a:spcAft>
-            </a:pPr>
-            <a:endParaRPr lang="en-US" sz="2400" dirty="0">
-              <a:gradFill>
-                <a:gsLst>
-                  <a:gs pos="0">
-                    <a:srgbClr val="FFFFFF"/>
-                  </a:gs>
-                  <a:gs pos="100000">
-                    <a:srgbClr val="FFFFFF"/>
-                  </a:gs>
-                </a:gsLst>
-                <a:lin ang="5400000" scaled="0"/>
-              </a:gradFill>
-              <a:ea typeface="Segoe UI" pitchFamily="34" charset="0"/>
-              <a:cs typeface="Segoe UI" pitchFamily="34" charset="0"/>
-            </a:endParaRPr>
-          </a:p>
-        </p:txBody>
-      </p:sp>
-      <p:pic>
-        <p:nvPicPr>
-          <p:cNvPr id="9" name="Icon" descr="Ones-and-zeroes2.png"/>
-          <p:cNvPicPr>
-            <a:picLocks noChangeAspect="1"/>
-          </p:cNvPicPr>
-          <p:nvPr/>
-        </p:nvPicPr>
-        <p:blipFill>
-          <a:blip r:embed="rId2">
-            <a:extLst>
-              <a:ext uri="{28A0092B-C50C-407E-A947-70E740481C1C}">
-                <a14:useLocalDpi xmlns:a14="http://schemas.microsoft.com/office/drawing/2010/main" val="0"/>
-              </a:ext>
-            </a:extLst>
-          </a:blip>
-          <a:stretch>
-            <a:fillRect/>
-          </a:stretch>
-        </p:blipFill>
-        <p:spPr>
-          <a:xfrm>
-            <a:off x="106979" y="4928556"/>
-            <a:ext cx="2714605" cy="1972396"/>
-          </a:xfrm>
-          <a:prstGeom prst="rect">
-            <a:avLst/>
-          </a:prstGeom>
-        </p:spPr>
-      </p:pic>
-      <p:pic>
-        <p:nvPicPr>
-          <p:cNvPr id="12" name="Azure Dark" descr="MS-Azure_rgb_Blk.png"/>
-          <p:cNvPicPr>
-            <a:picLocks noChangeAspect="1"/>
-          </p:cNvPicPr>
-          <p:nvPr/>
-        </p:nvPicPr>
-        <p:blipFill>
-          <a:blip r:embed="rId3" cstate="print">
-            <a:extLst>
-              <a:ext uri="{28A0092B-C50C-407E-A947-70E740481C1C}">
-                <a14:useLocalDpi xmlns:a14="http://schemas.microsoft.com/office/drawing/2010/main" val="0"/>
-              </a:ext>
-            </a:extLst>
-          </a:blip>
-          <a:stretch>
-            <a:fillRect/>
-          </a:stretch>
-        </p:blipFill>
-        <p:spPr>
-          <a:xfrm>
-            <a:off x="10362282" y="151316"/>
-            <a:ext cx="1661373" cy="382084"/>
-          </a:xfrm>
-          <a:prstGeom prst="rect">
-            <a:avLst/>
-          </a:prstGeom>
-        </p:spPr>
-      </p:pic>
-      <p:sp>
-        <p:nvSpPr>
-          <p:cNvPr id="10" name="Headline"/>
-          <p:cNvSpPr>
-            <a:spLocks noGrp="1"/>
-          </p:cNvSpPr>
-          <p:nvPr>
-            <p:ph type="title"/>
-          </p:nvPr>
-        </p:nvSpPr>
-        <p:spPr>
-          <a:xfrm>
-            <a:off x="274712" y="930351"/>
-            <a:ext cx="9976363" cy="917575"/>
-          </a:xfrm>
-          <a:prstGeom prst="rect">
-            <a:avLst/>
-          </a:prstGeom>
-        </p:spPr>
-        <p:txBody>
-          <a:bodyPr/>
-          <a:lstStyle>
-            <a:lvl1pPr>
-              <a:defRPr>
-                <a:solidFill>
-                  <a:schemeClr val="tx2"/>
-                </a:solidFill>
-              </a:defRPr>
-            </a:lvl1pPr>
-          </a:lstStyle>
-          <a:p>
-            <a:r>
-              <a:rPr lang="en-US" sz="4800">
-                <a:solidFill>
-                  <a:srgbClr val="0072C6"/>
-                </a:solidFill>
-                <a:latin typeface="Segoe UI Light" panose="020B0502040204020203" pitchFamily="34" charset="0"/>
-              </a:rPr>
-              <a:t>Click to edit Master title style</a:t>
-            </a:r>
-            <a:endParaRPr lang="en-US" sz="4800" dirty="0">
-              <a:solidFill>
-                <a:srgbClr val="0072C6"/>
-              </a:solidFill>
-              <a:latin typeface="Segoe UI Light" panose="020B0502040204020203" pitchFamily="34" charset="0"/>
-            </a:endParaRPr>
-          </a:p>
-        </p:txBody>
-      </p:sp>
-      <p:sp>
-        <p:nvSpPr>
-          <p:cNvPr id="6" name="Body"/>
-          <p:cNvSpPr>
-            <a:spLocks noGrp="1"/>
-          </p:cNvSpPr>
-          <p:nvPr>
-            <p:ph sz="quarter" idx="10"/>
-          </p:nvPr>
-        </p:nvSpPr>
-        <p:spPr>
-          <a:xfrm>
-            <a:off x="274712" y="2193928"/>
-            <a:ext cx="9976860" cy="2719388"/>
-          </a:xfrm>
-          <a:prstGeom prst="rect">
-            <a:avLst/>
-          </a:prstGeom>
-        </p:spPr>
-        <p:txBody>
-          <a:bodyPr/>
-          <a:lstStyle>
-            <a:lvl1pPr>
-              <a:buClr>
-                <a:schemeClr val="tx2"/>
-              </a:buClr>
-              <a:defRPr sz="2000">
-                <a:solidFill>
-                  <a:schemeClr val="tx2"/>
-                </a:solidFill>
-              </a:defRPr>
-            </a:lvl1pPr>
-            <a:lvl2pPr>
-              <a:buClr>
-                <a:schemeClr val="tx2"/>
-              </a:buClr>
-              <a:defRPr sz="2000">
-                <a:solidFill>
-                  <a:schemeClr val="tx2"/>
-                </a:solidFill>
-              </a:defRPr>
-            </a:lvl2pPr>
-            <a:lvl3pPr>
-              <a:buClr>
-                <a:schemeClr val="tx2"/>
-              </a:buClr>
-              <a:defRPr sz="2000">
-                <a:solidFill>
-                  <a:schemeClr val="tx2"/>
-                </a:solidFill>
-              </a:defRPr>
-            </a:lvl3pPr>
-            <a:lvl4pPr>
-              <a:buClr>
-                <a:schemeClr val="tx2"/>
-              </a:buClr>
-              <a:defRPr sz="2000">
-                <a:solidFill>
-                  <a:schemeClr val="tx2"/>
-                </a:solidFill>
-              </a:defRPr>
-            </a:lvl4pPr>
-            <a:lvl5pPr>
-              <a:buClr>
-                <a:schemeClr val="tx2"/>
-              </a:buClr>
-              <a:defRPr sz="2000">
-                <a:solidFill>
-                  <a:schemeClr val="tx2"/>
-                </a:solidFill>
-              </a:defRPr>
-            </a:lvl5pPr>
-          </a:lstStyle>
-          <a:p>
-            <a:pPr lvl="0"/>
-            <a:r>
-              <a:rPr lang="en-US"/>
-              <a:t>Click to edit Master text styles</a:t>
-            </a:r>
-          </a:p>
-          <a:p>
-            <a:pPr lvl="1"/>
-            <a:r>
-              <a:rPr lang="en-US"/>
-              <a:t>Second level</a:t>
-            </a:r>
-          </a:p>
-          <a:p>
-            <a:pPr lvl="2"/>
-            <a:r>
-              <a:rPr lang="en-US"/>
-              <a:t>Third level</a:t>
-            </a:r>
-          </a:p>
-          <a:p>
-            <a:pPr lvl="3"/>
-            <a:r>
-              <a:rPr lang="en-US"/>
-              <a:t>Fourth level</a:t>
-            </a:r>
-          </a:p>
-          <a:p>
-            <a:pPr lvl="4"/>
-            <a:r>
-              <a:rPr lang="en-US"/>
-              <a:t>Fifth level</a:t>
-            </a:r>
-          </a:p>
-        </p:txBody>
-      </p:sp>
-      <p:pic>
-        <p:nvPicPr>
-          <p:cNvPr id="15" name="Logo" descr="MS Logo White.png"/>
-          <p:cNvPicPr>
-            <a:picLocks noChangeAspect="1"/>
-          </p:cNvPicPr>
-          <p:nvPr/>
-        </p:nvPicPr>
-        <p:blipFill>
-          <a:blip r:embed="rId4" cstate="print">
-            <a:extLst>
-              <a:ext uri="{28A0092B-C50C-407E-A947-70E740481C1C}">
-                <a14:useLocalDpi xmlns:a14="http://schemas.microsoft.com/office/drawing/2010/main" val="0"/>
-              </a:ext>
-            </a:extLst>
-          </a:blip>
-          <a:stretch>
-            <a:fillRect/>
-          </a:stretch>
-        </p:blipFill>
-        <p:spPr>
-          <a:xfrm>
-            <a:off x="10805329" y="6468242"/>
-            <a:ext cx="1169019" cy="250567"/>
-          </a:xfrm>
-          <a:prstGeom prst="rect">
-            <a:avLst/>
-          </a:prstGeom>
-        </p:spPr>
-      </p:pic>
-    </p:spTree>
-    <p:extLst>
-      <p:ext uri="{BB962C8B-B14F-4D97-AF65-F5344CB8AC3E}">
-        <p14:creationId xmlns:p14="http://schemas.microsoft.com/office/powerpoint/2010/main" val="1436287733"/>
-      </p:ext>
-    </p:extLst>
-  </p:cSld>
-  <p:clrMapOvr>
-    <a:overrideClrMapping bg1="lt1" tx1="dk1" bg2="lt2" tx2="dk2" accent1="accent1" accent2="accent2" accent3="accent3" accent4="accent4" accent5="accent5" accent6="accent6" hlink="hlink" folHlink="folHlink"/>
-  </p:clrMapOvr>
-  <p:transition>
-    <p:fade/>
-  </p:transition>
-  <p:hf hdr="0" ftr="0" dt="0"/>
-</p:sldLayout>
-</file>
-
-<file path=ppt/slideLayouts/slideLayout17.xml><?xml version="1.0" encoding="utf-8"?>
-<p:sldLayout xmlns:a="http://schemas.openxmlformats.org/drawingml/2006/main" xmlns:r="http://schemas.openxmlformats.org/officeDocument/2006/relationships" xmlns:p="http://schemas.openxmlformats.org/presentationml/2006/main">
-  <p:cSld name="Blank Half">
-    <p:spTree>
-      <p:nvGrpSpPr>
-        <p:cNvPr id="1" name=""/>
-        <p:cNvGrpSpPr/>
-        <p:nvPr/>
-      </p:nvGrpSpPr>
-      <p:grpSpPr>
-        <a:xfrm>
-          <a:off x="0" y="0"/>
-          <a:ext cx="0" cy="0"/>
-          <a:chOff x="0" y="0"/>
-          <a:chExt cx="0" cy="0"/>
-        </a:xfrm>
-      </p:grpSpPr>
-      <p:sp>
-        <p:nvSpPr>
-          <p:cNvPr id="3" name="White Background"/>
-          <p:cNvSpPr/>
-          <p:nvPr/>
-        </p:nvSpPr>
-        <p:spPr bwMode="auto">
-          <a:xfrm>
-            <a:off x="1" y="3365500"/>
-            <a:ext cx="12192000" cy="3492500"/>
-          </a:xfrm>
-          <a:prstGeom prst="rect">
-            <a:avLst/>
-          </a:prstGeom>
-          <a:solidFill>
-            <a:schemeClr val="bg1"/>
-          </a:solidFill>
-          <a:ln>
-            <a:noFill/>
-            <a:headEnd type="none" w="med" len="med"/>
-            <a:tailEnd type="none" w="med" len="med"/>
-          </a:ln>
-          <a:effectLst/>
-        </p:spPr>
-        <p:style>
-          <a:lnRef idx="1">
-            <a:schemeClr val="accent2"/>
-          </a:lnRef>
-          <a:fillRef idx="3">
-            <a:schemeClr val="accent2"/>
-          </a:fillRef>
-          <a:effectRef idx="2">
-            <a:schemeClr val="accent2"/>
-          </a:effectRef>
-          <a:fontRef idx="minor">
-            <a:schemeClr val="lt1"/>
-          </a:fontRef>
-        </p:style>
-        <p:txBody>
-          <a:bodyPr rot="0" spcFirstLastPara="0" vertOverflow="overflow" horzOverflow="overflow" vert="horz" wrap="square" lIns="182880" tIns="146304" rIns="182880" bIns="146304" numCol="1" spcCol="0" rtlCol="0" fromWordArt="0" anchor="t" anchorCtr="0" forceAA="0" compatLnSpc="1">
-            <a:prstTxWarp prst="textNoShape">
-              <a:avLst/>
-            </a:prstTxWarp>
-            <a:noAutofit/>
-          </a:bodyPr>
-          <a:lstStyle/>
-          <a:p>
-            <a:pPr algn="ctr" defTabSz="932472" fontAlgn="base">
-              <a:lnSpc>
-                <a:spcPct val="90000"/>
-              </a:lnSpc>
-              <a:spcBef>
-                <a:spcPct val="0"/>
-              </a:spcBef>
-              <a:spcAft>
-                <a:spcPct val="0"/>
-              </a:spcAft>
-            </a:pPr>
-            <a:endParaRPr lang="en-US" sz="2400" dirty="0">
-              <a:gradFill>
-                <a:gsLst>
-                  <a:gs pos="0">
-                    <a:srgbClr val="FFFFFF"/>
-                  </a:gs>
-                  <a:gs pos="100000">
-                    <a:srgbClr val="FFFFFF"/>
-                  </a:gs>
-                </a:gsLst>
-                <a:lin ang="5400000" scaled="0"/>
-              </a:gradFill>
-              <a:ea typeface="Segoe UI" pitchFamily="34" charset="0"/>
-              <a:cs typeface="Segoe UI" pitchFamily="34" charset="0"/>
-            </a:endParaRPr>
-          </a:p>
-        </p:txBody>
-      </p:sp>
-      <p:pic>
-        <p:nvPicPr>
-          <p:cNvPr id="4" name="Logo Dark" descr="MS Logo.png"/>
-          <p:cNvPicPr>
-            <a:picLocks noChangeAspect="1"/>
-          </p:cNvPicPr>
-          <p:nvPr/>
-        </p:nvPicPr>
-        <p:blipFill>
-          <a:blip r:embed="rId2" cstate="print">
-            <a:extLst>
-              <a:ext uri="{28A0092B-C50C-407E-A947-70E740481C1C}">
-                <a14:useLocalDpi xmlns:a14="http://schemas.microsoft.com/office/drawing/2010/main" val="0"/>
-              </a:ext>
-            </a:extLst>
-          </a:blip>
-          <a:stretch>
-            <a:fillRect/>
-          </a:stretch>
-        </p:blipFill>
-        <p:spPr>
-          <a:xfrm>
-            <a:off x="10807760" y="6474573"/>
-            <a:ext cx="1157499" cy="248097"/>
-          </a:xfrm>
-          <a:prstGeom prst="rect">
-            <a:avLst/>
-          </a:prstGeom>
-        </p:spPr>
-      </p:pic>
-      <p:pic>
-        <p:nvPicPr>
-          <p:cNvPr id="8" name="Azure Light" descr="MS-Azure_rgb_Wht.png"/>
-          <p:cNvPicPr>
-            <a:picLocks noChangeAspect="1"/>
-          </p:cNvPicPr>
-          <p:nvPr/>
-        </p:nvPicPr>
-        <p:blipFill>
-          <a:blip r:embed="rId3" cstate="print">
-            <a:extLst>
-              <a:ext uri="{28A0092B-C50C-407E-A947-70E740481C1C}">
-                <a14:useLocalDpi xmlns:a14="http://schemas.microsoft.com/office/drawing/2010/main" val="0"/>
-              </a:ext>
-            </a:extLst>
-          </a:blip>
-          <a:stretch>
-            <a:fillRect/>
-          </a:stretch>
-        </p:blipFill>
-        <p:spPr>
-          <a:xfrm>
-            <a:off x="10358686" y="147877"/>
-            <a:ext cx="1662233" cy="382281"/>
-          </a:xfrm>
-          <a:prstGeom prst="rect">
-            <a:avLst/>
-          </a:prstGeom>
-        </p:spPr>
-      </p:pic>
-      <p:pic>
-        <p:nvPicPr>
-          <p:cNvPr id="9" name="Icon" descr="Ones-and-zeroes2.png"/>
-          <p:cNvPicPr>
-            <a:picLocks noChangeAspect="1"/>
-          </p:cNvPicPr>
-          <p:nvPr/>
-        </p:nvPicPr>
-        <p:blipFill>
-          <a:blip r:embed="rId4">
-            <a:extLst>
-              <a:ext uri="{28A0092B-C50C-407E-A947-70E740481C1C}">
-                <a14:useLocalDpi xmlns:a14="http://schemas.microsoft.com/office/drawing/2010/main" val="0"/>
-              </a:ext>
-            </a:extLst>
-          </a:blip>
-          <a:stretch>
-            <a:fillRect/>
-          </a:stretch>
-        </p:blipFill>
-        <p:spPr>
-          <a:xfrm>
-            <a:off x="106979" y="4928556"/>
-            <a:ext cx="2714605" cy="1972396"/>
-          </a:xfrm>
-          <a:prstGeom prst="rect">
-            <a:avLst/>
-          </a:prstGeom>
-        </p:spPr>
-      </p:pic>
-    </p:spTree>
-    <p:extLst>
-      <p:ext uri="{BB962C8B-B14F-4D97-AF65-F5344CB8AC3E}">
-        <p14:creationId xmlns:p14="http://schemas.microsoft.com/office/powerpoint/2010/main" val="1822759091"/>
-      </p:ext>
-    </p:extLst>
-  </p:cSld>
-  <p:clrMapOvr>
-    <a:masterClrMapping/>
-  </p:clrMapOvr>
-  <p:transition>
-    <p:fade/>
-  </p:transition>
-  <p:hf hdr="0" ftr="0" dt="0"/>
-</p:sldLayout>
-</file>
-
-<file path=ppt/slideLayouts/slideLayout18.xml><?xml version="1.0" encoding="utf-8"?>
-<p:sldLayout xmlns:a="http://schemas.openxmlformats.org/drawingml/2006/main" xmlns:r="http://schemas.openxmlformats.org/officeDocument/2006/relationships" xmlns:p="http://schemas.openxmlformats.org/presentationml/2006/main">
-  <p:cSld name="Demo">
-    <p:spTree>
-      <p:nvGrpSpPr>
-        <p:cNvPr id="1" name=""/>
-        <p:cNvGrpSpPr/>
-        <p:nvPr/>
-      </p:nvGrpSpPr>
-      <p:grpSpPr>
-        <a:xfrm>
-          <a:off x="0" y="0"/>
-          <a:ext cx="0" cy="0"/>
-          <a:chOff x="0" y="0"/>
-          <a:chExt cx="0" cy="0"/>
-        </a:xfrm>
-      </p:grpSpPr>
-      <p:sp>
-        <p:nvSpPr>
-          <p:cNvPr id="3" name="Headline"/>
-          <p:cNvSpPr>
-            <a:spLocks noGrp="1"/>
-          </p:cNvSpPr>
-          <p:nvPr>
-            <p:ph type="title" hasCustomPrompt="1"/>
-          </p:nvPr>
-        </p:nvSpPr>
-        <p:spPr>
-          <a:xfrm>
-            <a:off x="1052741" y="2970214"/>
-            <a:ext cx="10086517" cy="917575"/>
-          </a:xfrm>
-          <a:prstGeom prst="rect">
-            <a:avLst/>
-          </a:prstGeom>
-        </p:spPr>
-        <p:txBody>
-          <a:bodyPr/>
-          <a:lstStyle>
-            <a:lvl1pPr algn="ctr">
-              <a:defRPr sz="6000">
-                <a:solidFill>
-                  <a:srgbClr val="92D050"/>
-                </a:solidFill>
-              </a:defRPr>
-            </a:lvl1pPr>
-          </a:lstStyle>
-          <a:p>
-            <a:r>
-              <a:rPr lang="en-US" sz="5400" dirty="0">
-                <a:solidFill>
-                  <a:srgbClr val="92D050"/>
-                </a:solidFill>
-              </a:rPr>
-              <a:t>Demo</a:t>
-            </a:r>
-            <a:endParaRPr lang="en-US" dirty="0">
-              <a:solidFill>
-                <a:schemeClr val="bg2"/>
-              </a:solidFill>
-            </a:endParaRPr>
-          </a:p>
-        </p:txBody>
-      </p:sp>
-      <p:pic>
-        <p:nvPicPr>
-          <p:cNvPr id="4" name="Picture 3" descr="Ones-and-zeroes2.png"/>
-          <p:cNvPicPr>
-            <a:picLocks noChangeAspect="1"/>
-          </p:cNvPicPr>
-          <p:nvPr/>
-        </p:nvPicPr>
-        <p:blipFill>
-          <a:blip r:embed="rId2">
-            <a:extLst>
-              <a:ext uri="{28A0092B-C50C-407E-A947-70E740481C1C}">
-                <a14:useLocalDpi xmlns:a14="http://schemas.microsoft.com/office/drawing/2010/main" val="0"/>
-              </a:ext>
-            </a:extLst>
-          </a:blip>
-          <a:stretch>
-            <a:fillRect/>
-          </a:stretch>
-        </p:blipFill>
-        <p:spPr>
-          <a:xfrm>
-            <a:off x="106979" y="4928556"/>
-            <a:ext cx="2714605" cy="1972396"/>
-          </a:xfrm>
-          <a:prstGeom prst="rect">
-            <a:avLst/>
-          </a:prstGeom>
-        </p:spPr>
-      </p:pic>
-    </p:spTree>
-    <p:extLst>
-      <p:ext uri="{BB962C8B-B14F-4D97-AF65-F5344CB8AC3E}">
-        <p14:creationId xmlns:p14="http://schemas.microsoft.com/office/powerpoint/2010/main" val="2381511385"/>
       </p:ext>
     </p:extLst>
   </p:cSld>
@@ -11399,31 +10575,11 @@
             </a:r>
             <a:r>
               <a:rPr lang="pt-BR" dirty="0"/>
-              <a:t> – </a:t>
-            </a:r>
-            <a:r>
-              <a:rPr lang="pt-BR" dirty="0" err="1"/>
-              <a:t>Implement</a:t>
-            </a:r>
-            <a:r>
-              <a:rPr lang="pt-BR" dirty="0"/>
-              <a:t> </a:t>
-            </a:r>
-            <a:r>
-              <a:rPr lang="pt-BR" dirty="0" err="1"/>
-              <a:t>and</a:t>
-            </a:r>
-            <a:r>
-              <a:rPr lang="pt-BR" dirty="0"/>
-              <a:t> Design</a:t>
+              <a:t> – Implementando e Projetando</a:t>
             </a:r>
             <a:r>
               <a:rPr lang="pt-BR" baseline="0" dirty="0"/>
-              <a:t> </a:t>
-            </a:r>
-            <a:r>
-              <a:rPr lang="pt-BR" baseline="0" dirty="0" err="1"/>
-              <a:t>WebSites</a:t>
+              <a:t> Websites</a:t>
             </a:r>
             <a:endParaRPr lang="en-US" dirty="0"/>
           </a:p>
@@ -11634,27 +10790,11 @@
             </a:r>
             <a:r>
               <a:rPr lang="pt-BR" dirty="0"/>
-              <a:t> – </a:t>
-            </a:r>
-            <a:r>
-              <a:rPr lang="pt-BR" dirty="0" err="1"/>
-              <a:t>Implement</a:t>
-            </a:r>
-            <a:r>
-              <a:rPr lang="pt-BR" dirty="0"/>
-              <a:t> </a:t>
-            </a:r>
-            <a:r>
-              <a:rPr lang="pt-BR" dirty="0" err="1"/>
-              <a:t>and</a:t>
-            </a:r>
-            <a:r>
-              <a:rPr lang="pt-BR" dirty="0"/>
-              <a:t> Design </a:t>
-            </a:r>
-            <a:r>
-              <a:rPr lang="pt-BR" dirty="0" err="1"/>
-              <a:t>WebSites</a:t>
+              <a:t> – Implementando e Projetando</a:t>
+            </a:r>
+            <a:r>
+              <a:rPr lang="pt-BR" baseline="0" dirty="0"/>
+              <a:t> Websites</a:t>
             </a:r>
             <a:endParaRPr lang="en-US" dirty="0"/>
           </a:p>
@@ -11956,27 +11096,11 @@
             </a:r>
             <a:r>
               <a:rPr lang="pt-BR" dirty="0"/>
-              <a:t> – </a:t>
-            </a:r>
-            <a:r>
-              <a:rPr lang="pt-BR" dirty="0" err="1"/>
-              <a:t>Implement</a:t>
-            </a:r>
-            <a:r>
-              <a:rPr lang="pt-BR" dirty="0"/>
-              <a:t> </a:t>
-            </a:r>
-            <a:r>
-              <a:rPr lang="pt-BR" dirty="0" err="1"/>
-              <a:t>and</a:t>
-            </a:r>
-            <a:r>
-              <a:rPr lang="pt-BR" dirty="0"/>
-              <a:t> Design </a:t>
-            </a:r>
-            <a:r>
-              <a:rPr lang="pt-BR" dirty="0" err="1"/>
-              <a:t>WebSites</a:t>
+              <a:t> – Implementando e Projetando</a:t>
+            </a:r>
+            <a:r>
+              <a:rPr lang="pt-BR" baseline="0" dirty="0"/>
+              <a:t> Websites</a:t>
             </a:r>
             <a:endParaRPr lang="en-US" dirty="0"/>
           </a:p>
@@ -12430,27 +11554,11 @@
             </a:r>
             <a:r>
               <a:rPr lang="pt-BR" dirty="0"/>
-              <a:t> – </a:t>
-            </a:r>
-            <a:r>
-              <a:rPr lang="pt-BR" dirty="0" err="1"/>
-              <a:t>Implement</a:t>
-            </a:r>
-            <a:r>
-              <a:rPr lang="pt-BR" dirty="0"/>
-              <a:t> </a:t>
-            </a:r>
-            <a:r>
-              <a:rPr lang="pt-BR" dirty="0" err="1"/>
-              <a:t>and</a:t>
-            </a:r>
-            <a:r>
-              <a:rPr lang="pt-BR" dirty="0"/>
-              <a:t> Design </a:t>
-            </a:r>
-            <a:r>
-              <a:rPr lang="pt-BR" dirty="0" err="1"/>
-              <a:t>WebSites</a:t>
+              <a:t> – Implementando e Projetando</a:t>
+            </a:r>
+            <a:r>
+              <a:rPr lang="pt-BR" baseline="0" dirty="0"/>
+              <a:t> Websites</a:t>
             </a:r>
             <a:endParaRPr lang="en-US" dirty="0"/>
           </a:p>
@@ -12574,27 +11682,11 @@
             </a:r>
             <a:r>
               <a:rPr lang="pt-BR" dirty="0"/>
-              <a:t> – </a:t>
-            </a:r>
-            <a:r>
-              <a:rPr lang="pt-BR" dirty="0" err="1"/>
-              <a:t>Implement</a:t>
-            </a:r>
-            <a:r>
-              <a:rPr lang="pt-BR" dirty="0"/>
-              <a:t> </a:t>
-            </a:r>
-            <a:r>
-              <a:rPr lang="pt-BR" dirty="0" err="1"/>
-              <a:t>and</a:t>
-            </a:r>
-            <a:r>
-              <a:rPr lang="pt-BR" dirty="0"/>
-              <a:t> Design </a:t>
-            </a:r>
-            <a:r>
-              <a:rPr lang="pt-BR" dirty="0" err="1"/>
-              <a:t>WebSites</a:t>
+              <a:t> – Implementando e Projetando</a:t>
+            </a:r>
+            <a:r>
+              <a:rPr lang="pt-BR" baseline="0" dirty="0"/>
+              <a:t> Websites</a:t>
             </a:r>
             <a:endParaRPr lang="en-US" dirty="0"/>
           </a:p>
@@ -12696,27 +11788,11 @@
             </a:r>
             <a:r>
               <a:rPr lang="pt-BR" dirty="0"/>
-              <a:t> – </a:t>
-            </a:r>
-            <a:r>
-              <a:rPr lang="pt-BR" dirty="0" err="1"/>
-              <a:t>Implement</a:t>
-            </a:r>
-            <a:r>
-              <a:rPr lang="pt-BR" dirty="0"/>
-              <a:t> </a:t>
-            </a:r>
-            <a:r>
-              <a:rPr lang="pt-BR" dirty="0" err="1"/>
-              <a:t>and</a:t>
-            </a:r>
-            <a:r>
-              <a:rPr lang="pt-BR" dirty="0"/>
-              <a:t> Design </a:t>
-            </a:r>
-            <a:r>
-              <a:rPr lang="pt-BR" dirty="0" err="1"/>
-              <a:t>WebSites</a:t>
+              <a:t> – Implementando e Projetando</a:t>
+            </a:r>
+            <a:r>
+              <a:rPr lang="pt-BR" baseline="0" dirty="0"/>
+              <a:t> Websites</a:t>
             </a:r>
             <a:endParaRPr lang="en-US" dirty="0"/>
           </a:p>
@@ -13456,11 +12532,7 @@
     <p:sldLayoutId id="2147483671" r:id="rId11"/>
     <p:sldLayoutId id="2147483672" r:id="rId12"/>
     <p:sldLayoutId id="2147483674" r:id="rId13"/>
-    <p:sldLayoutId id="2147483675" r:id="rId14"/>
-    <p:sldLayoutId id="2147483721" r:id="rId15"/>
-    <p:sldLayoutId id="2147483722" r:id="rId16"/>
-    <p:sldLayoutId id="2147483723" r:id="rId17"/>
-    <p:sldLayoutId id="2147483724" r:id="rId18"/>
+    <p:sldLayoutId id="2147483721" r:id="rId14"/>
   </p:sldLayoutIdLst>
   <p:txStyles>
     <p:titleStyle>
@@ -13967,7 +13039,7 @@
             <a:noFill/>
             <a:extLst>
               <a:ext uri="{909E8E84-426E-40dd-AFC4-6F175D3DCCD1}">
-                <a14:hiddenFill xmlns:a14="http://schemas.microsoft.com/office/drawing/2010/main" xmlns="">
+                <a14:hiddenFill xmlns="" xmlns:a14="http://schemas.microsoft.com/office/drawing/2010/main">
                   <a:solidFill>
                     <a:srgbClr val="FFFFFF"/>
                   </a:solidFill>
@@ -14025,7 +13097,7 @@
             <a:noFill/>
             <a:extLst>
               <a:ext uri="{909E8E84-426E-40dd-AFC4-6F175D3DCCD1}">
-                <a14:hiddenFill xmlns:a14="http://schemas.microsoft.com/office/drawing/2010/main" xmlns="">
+                <a14:hiddenFill xmlns="" xmlns:a14="http://schemas.microsoft.com/office/drawing/2010/main">
                   <a:solidFill>
                     <a:srgbClr val="FFFFFF"/>
                   </a:solidFill>
@@ -14089,7 +13161,7 @@
             <a:noFill/>
             <a:extLst>
               <a:ext uri="{909E8E84-426E-40dd-AFC4-6F175D3DCCD1}">
-                <a14:hiddenFill xmlns:a14="http://schemas.microsoft.com/office/drawing/2010/main" xmlns="">
+                <a14:hiddenFill xmlns="" xmlns:a14="http://schemas.microsoft.com/office/drawing/2010/main">
                   <a:solidFill>
                     <a:srgbClr val="FFFFFF"/>
                   </a:solidFill>
@@ -16536,7 +15608,7 @@
           <a:noFill/>
           <a:extLst>
             <a:ext uri="{909E8E84-426E-40dd-AFC4-6F175D3DCCD1}">
-              <a14:hiddenFill xmlns:a14="http://schemas.microsoft.com/office/drawing/2010/main" xmlns="">
+              <a14:hiddenFill xmlns="" xmlns:a14="http://schemas.microsoft.com/office/drawing/2010/main">
                 <a:solidFill>
                   <a:srgbClr val="FFFFFF"/>
                 </a:solidFill>

--- a/Implement and Design Websites/Implement and Design WebSites.pptx
+++ b/Implement and Design Websites/Implement and Design WebSites.pptx
@@ -168,11 +168,19 @@
             <p14:sldId id="256"/>
             <p14:sldId id="257"/>
             <p14:sldId id="259"/>
+          </p14:sldIdLst>
+        </p14:section>
+        <p14:section name="Azure App Service" id="{64701AF2-EA9F-4B06-89C4-507DE4395C79}">
+          <p14:sldIdLst>
             <p14:sldId id="265"/>
             <p14:sldId id="266"/>
             <p14:sldId id="268"/>
             <p14:sldId id="269"/>
             <p14:sldId id="270"/>
+          </p14:sldIdLst>
+        </p14:section>
+        <p14:section name="WebApps" id="{BDD1CFE6-535A-4ED1-96AB-1EC6799B0898}">
+          <p14:sldIdLst>
             <p14:sldId id="271"/>
             <p14:sldId id="316"/>
             <p14:sldId id="272"/>
@@ -181,6 +189,10 @@
             <p14:sldId id="275"/>
             <p14:sldId id="276"/>
             <p14:sldId id="277"/>
+          </p14:sldIdLst>
+        </p14:section>
+        <p14:section name="Deployment" id="{89675B14-F1CA-484D-9FB9-270106BF55BF}">
+          <p14:sldIdLst>
             <p14:sldId id="260"/>
             <p14:sldId id="278"/>
             <p14:sldId id="298"/>
@@ -190,10 +202,18 @@
             <p14:sldId id="263"/>
             <p14:sldId id="264"/>
             <p14:sldId id="279"/>
+          </p14:sldIdLst>
+        </p14:section>
+        <p14:section name="Deployment Slots" id="{05EE2783-4B8A-448F-A2CE-12DF5F1B4A08}">
+          <p14:sldIdLst>
             <p14:sldId id="311"/>
             <p14:sldId id="312"/>
             <p14:sldId id="313"/>
             <p14:sldId id="314"/>
+          </p14:sldIdLst>
+        </p14:section>
+        <p14:section name="Configurando e Monitorando" id="{2014559F-DE91-4FCF-B56C-B310EC64EF9A}">
+          <p14:sldIdLst>
             <p14:sldId id="280"/>
             <p14:sldId id="281"/>
             <p14:sldId id="282"/>
@@ -202,12 +222,20 @@
             <p14:sldId id="287"/>
             <p14:sldId id="285"/>
             <p14:sldId id="286"/>
+          </p14:sldIdLst>
+        </p14:section>
+        <p14:section name="Web Jobs" id="{AF885CB8-7B12-4998-94C1-DB61F7495BE0}">
+          <p14:sldIdLst>
             <p14:sldId id="289"/>
             <p14:sldId id="290"/>
             <p14:sldId id="308"/>
             <p14:sldId id="309"/>
             <p14:sldId id="310"/>
             <p14:sldId id="292"/>
+          </p14:sldIdLst>
+        </p14:section>
+        <p14:section name="Escala e Resiliência" id="{2AD4163F-609A-438B-9DF3-A4E5E3152DC3}">
+          <p14:sldIdLst>
             <p14:sldId id="293"/>
             <p14:sldId id="294"/>
             <p14:sldId id="301"/>
@@ -218,6 +246,10 @@
             <p14:sldId id="306"/>
             <p14:sldId id="307"/>
             <p14:sldId id="297"/>
+          </p14:sldIdLst>
+        </p14:section>
+        <p14:section name="Hands on Labs" id="{13E3592C-9119-4DB3-ACEF-F93C9145414F}">
+          <p14:sldIdLst>
             <p14:sldId id="315"/>
           </p14:sldIdLst>
         </p14:section>
@@ -3899,7 +3931,7 @@
           <a:p>
             <a:fld id="{32AF8DFE-3F9E-4E76-8DEB-FC1A7CECE63A}" type="datetimeFigureOut">
               <a:rPr lang="en-US" smtClean="0"/>
-              <a:t>9/25/2016</a:t>
+              <a:t>10/14/2016</a:t>
             </a:fld>
             <a:endParaRPr lang="en-US"/>
           </a:p>
@@ -5436,7 +5468,7 @@
           <a:p>
             <a:fld id="{51B45C6E-FCE4-4C36-96D3-F66438DBAEBD}" type="datetime1">
               <a:rPr lang="en-US" smtClean="0"/>
-              <a:t>9/25/2016</a:t>
+              <a:t>10/14/2016</a:t>
             </a:fld>
             <a:endParaRPr lang="en-US"/>
           </a:p>
@@ -8479,7 +8511,7 @@
           <a:p>
             <a:fld id="{51B45C6E-FCE4-4C36-96D3-F66438DBAEBD}" type="datetime1">
               <a:rPr lang="en-US" smtClean="0"/>
-              <a:t>9/25/2016</a:t>
+              <a:t>10/14/2016</a:t>
             </a:fld>
             <a:endParaRPr lang="en-US"/>
           </a:p>
@@ -13039,7 +13071,7 @@
             <a:noFill/>
             <a:extLst>
               <a:ext uri="{909E8E84-426E-40dd-AFC4-6F175D3DCCD1}">
-                <a14:hiddenFill xmlns="" xmlns:a14="http://schemas.microsoft.com/office/drawing/2010/main">
+                <a14:hiddenFill xmlns:a14="http://schemas.microsoft.com/office/drawing/2010/main" xmlns="">
                   <a:solidFill>
                     <a:srgbClr val="FFFFFF"/>
                   </a:solidFill>
@@ -13097,7 +13129,7 @@
             <a:noFill/>
             <a:extLst>
               <a:ext uri="{909E8E84-426E-40dd-AFC4-6F175D3DCCD1}">
-                <a14:hiddenFill xmlns="" xmlns:a14="http://schemas.microsoft.com/office/drawing/2010/main">
+                <a14:hiddenFill xmlns:a14="http://schemas.microsoft.com/office/drawing/2010/main" xmlns="">
                   <a:solidFill>
                     <a:srgbClr val="FFFFFF"/>
                   </a:solidFill>
@@ -13161,7 +13193,7 @@
             <a:noFill/>
             <a:extLst>
               <a:ext uri="{909E8E84-426E-40dd-AFC4-6F175D3DCCD1}">
-                <a14:hiddenFill xmlns="" xmlns:a14="http://schemas.microsoft.com/office/drawing/2010/main">
+                <a14:hiddenFill xmlns:a14="http://schemas.microsoft.com/office/drawing/2010/main" xmlns="">
                   <a:solidFill>
                     <a:srgbClr val="FFFFFF"/>
                   </a:solidFill>
@@ -15608,7 +15640,7 @@
           <a:noFill/>
           <a:extLst>
             <a:ext uri="{909E8E84-426E-40dd-AFC4-6F175D3DCCD1}">
-              <a14:hiddenFill xmlns="" xmlns:a14="http://schemas.microsoft.com/office/drawing/2010/main">
+              <a14:hiddenFill xmlns:a14="http://schemas.microsoft.com/office/drawing/2010/main" xmlns="">
                 <a:solidFill>
                   <a:srgbClr val="FFFFFF"/>
                 </a:solidFill>

--- a/Implement and Design Websites/Implement and Design WebSites.pptx
+++ b/Implement and Design Websites/Implement and Design WebSites.pptx
@@ -3931,7 +3931,7 @@
           <a:p>
             <a:fld id="{32AF8DFE-3F9E-4E76-8DEB-FC1A7CECE63A}" type="datetimeFigureOut">
               <a:rPr lang="en-US" smtClean="0"/>
-              <a:t>10/14/2016</a:t>
+              <a:t>11/5/2016</a:t>
             </a:fld>
             <a:endParaRPr lang="en-US"/>
           </a:p>
@@ -5468,7 +5468,7 @@
           <a:p>
             <a:fld id="{51B45C6E-FCE4-4C36-96D3-F66438DBAEBD}" type="datetime1">
               <a:rPr lang="en-US" smtClean="0"/>
-              <a:t>10/14/2016</a:t>
+              <a:t>11/5/2016</a:t>
             </a:fld>
             <a:endParaRPr lang="en-US"/>
           </a:p>
@@ -8511,7 +8511,7 @@
           <a:p>
             <a:fld id="{51B45C6E-FCE4-4C36-96D3-F66438DBAEBD}" type="datetime1">
               <a:rPr lang="en-US" smtClean="0"/>
-              <a:t>10/14/2016</a:t>
+              <a:t>11/5/2016</a:t>
             </a:fld>
             <a:endParaRPr lang="en-US"/>
           </a:p>
@@ -13071,7 +13071,7 @@
             <a:noFill/>
             <a:extLst>
               <a:ext uri="{909E8E84-426E-40dd-AFC4-6F175D3DCCD1}">
-                <a14:hiddenFill xmlns:a14="http://schemas.microsoft.com/office/drawing/2010/main" xmlns="">
+                <a14:hiddenFill xmlns="" xmlns:a14="http://schemas.microsoft.com/office/drawing/2010/main">
                   <a:solidFill>
                     <a:srgbClr val="FFFFFF"/>
                   </a:solidFill>
@@ -13129,7 +13129,7 @@
             <a:noFill/>
             <a:extLst>
               <a:ext uri="{909E8E84-426E-40dd-AFC4-6F175D3DCCD1}">
-                <a14:hiddenFill xmlns:a14="http://schemas.microsoft.com/office/drawing/2010/main" xmlns="">
+                <a14:hiddenFill xmlns="" xmlns:a14="http://schemas.microsoft.com/office/drawing/2010/main">
                   <a:solidFill>
                     <a:srgbClr val="FFFFFF"/>
                   </a:solidFill>
@@ -13193,7 +13193,7 @@
             <a:noFill/>
             <a:extLst>
               <a:ext uri="{909E8E84-426E-40dd-AFC4-6F175D3DCCD1}">
-                <a14:hiddenFill xmlns:a14="http://schemas.microsoft.com/office/drawing/2010/main" xmlns="">
+                <a14:hiddenFill xmlns="" xmlns:a14="http://schemas.microsoft.com/office/drawing/2010/main">
                   <a:solidFill>
                     <a:srgbClr val="FFFFFF"/>
                   </a:solidFill>
@@ -15640,7 +15640,7 @@
           <a:noFill/>
           <a:extLst>
             <a:ext uri="{909E8E84-426E-40dd-AFC4-6F175D3DCCD1}">
-              <a14:hiddenFill xmlns:a14="http://schemas.microsoft.com/office/drawing/2010/main" xmlns="">
+              <a14:hiddenFill xmlns="" xmlns:a14="http://schemas.microsoft.com/office/drawing/2010/main">
                 <a:solidFill>
                   <a:srgbClr val="FFFFFF"/>
                 </a:solidFill>
@@ -50833,8 +50833,60 @@
           </a:p>
           <a:p>
             <a:r>
+              <a:rPr lang="en-US" sz="2400" dirty="0" err="1"/>
+              <a:t>Projetado</a:t>
+            </a:r>
+            <a:r>
               <a:rPr lang="en-US" sz="2400" dirty="0"/>
-              <a:t>Enterprise-grade security</a:t>
+              <a:t> para </a:t>
+            </a:r>
+            <a:r>
+              <a:rPr lang="en-US" sz="2400" dirty="0" err="1"/>
+              <a:t>implemantar</a:t>
+            </a:r>
+            <a:r>
+              <a:rPr lang="en-US" sz="2400" dirty="0"/>
+              <a:t> </a:t>
+            </a:r>
+            <a:r>
+              <a:rPr lang="en-US" sz="2400" dirty="0" err="1"/>
+              <a:t>os</a:t>
+            </a:r>
+            <a:r>
+              <a:rPr lang="en-US" sz="2400" dirty="0"/>
+              <a:t> </a:t>
+            </a:r>
+            <a:r>
+              <a:rPr lang="en-US" sz="2400" dirty="0" err="1"/>
+              <a:t>mais</a:t>
+            </a:r>
+            <a:r>
+              <a:rPr lang="en-US" sz="2400" dirty="0"/>
+              <a:t> </a:t>
+            </a:r>
+            <a:r>
+              <a:rPr lang="en-US" sz="2400" dirty="0" err="1"/>
+              <a:t>rígidos</a:t>
+            </a:r>
+            <a:r>
+              <a:rPr lang="en-US" sz="2400" dirty="0"/>
+              <a:t> </a:t>
+            </a:r>
+            <a:r>
+              <a:rPr lang="en-US" sz="2400" dirty="0" err="1"/>
+              <a:t>padrões</a:t>
+            </a:r>
+            <a:r>
+              <a:rPr lang="en-US" sz="2400" dirty="0"/>
+              <a:t> de </a:t>
+            </a:r>
+            <a:r>
+              <a:rPr lang="en-US" sz="2400" dirty="0" err="1"/>
+              <a:t>segurança</a:t>
+            </a:r>
+            <a:r>
+              <a:rPr lang="en-US" sz="2400" dirty="0"/>
+              <a:t>;</a:t>
             </a:r>
           </a:p>
           <a:p>
